--- a/logos/Observação.pptx
+++ b/logos/Observação.pptx
@@ -3541,12 +3541,14 @@
         </p:nvSpPr>
         <p:spPr>
           <a:xfrm>
-            <a:off x="42755" y="63130"/>
+            <a:off x="42755" y="139965"/>
             <a:ext cx="12104370" cy="1246505"/>
           </a:xfrm>
         </p:spPr>
         <p:txBody>
-          <a:bodyPr/>
+          <a:bodyPr>
+            <a:normAutofit fontScale="90000"/>
+          </a:bodyPr>
           <a:p>
             <a:pPr>
               <a:lnSpc>
@@ -3566,6 +3568,26 @@
                 <a:cs typeface="Lato" panose="020F0602020204030203" charset="0"/>
               </a:rPr>
               <a:t> Não há dados suficientes para calcular a medida de isolamento social para os municípios em branco</a:t>
+            </a:r>
+            <a:br>
+              <a:rPr lang="pt-PT" altLang="en-US" sz="2800">
+                <a:latin typeface="Lato" panose="020F0602020204030203" charset="0"/>
+                <a:cs typeface="Lato" panose="020F0602020204030203" charset="0"/>
+              </a:rPr>
+            </a:br>
+            <a:r>
+              <a:rPr lang="pt-PT" altLang="en-US" sz="2800" b="1">
+                <a:latin typeface="Lato" panose="020F0602020204030203" charset="0"/>
+                <a:cs typeface="Lato" panose="020F0602020204030203" charset="0"/>
+              </a:rPr>
+              <a:t>Fonte:</a:t>
+            </a:r>
+            <a:r>
+              <a:rPr lang="pt-PT" altLang="en-US" sz="2800">
+                <a:latin typeface="Lato" panose="020F0602020204030203" charset="0"/>
+                <a:cs typeface="Lato" panose="020F0602020204030203" charset="0"/>
+              </a:rPr>
+              <a:t> Base Inloco. Não representa a população em sua totalidade.</a:t>
             </a:r>
             <a:r>
               <a:rPr lang="pt-PT" altLang="en-US" sz="5400"/>
